--- a/images/базовый слайд.pptx
+++ b/images/базовый слайд.pptx
@@ -5,7 +5,7 @@
     <p:sldMasterId id="2147483648" r:id="rId1"/>
   </p:sldMasterIdLst>
   <p:sldIdLst>
-    <p:sldId id="256" r:id="rId7"/>
+    <p:sldId id="256" r:id="rId2"/>
   </p:sldIdLst>
   <p:sldSz cx="9144000" cy="6858000" type="screen4x3"/>
   <p:notesSz cx="6858000" cy="9144000"/>
@@ -104,6 +104,22 @@
       </a:defRPr>
     </a:lvl9pPr>
   </p:defaultTextStyle>
+  <p:extLst>
+    <p:ext uri="{EFAFB233-063F-42B5-8137-9DF3F51BA10A}">
+      <p15:sldGuideLst xmlns:p15="http://schemas.microsoft.com/office/powerpoint/2012/main">
+        <p15:guide id="1" orient="horz" pos="2160">
+          <p15:clr>
+            <a:srgbClr val="A4A3A4"/>
+          </p15:clr>
+        </p15:guide>
+        <p15:guide id="2" pos="2880">
+          <p15:clr>
+            <a:srgbClr val="A4A3A4"/>
+          </p15:clr>
+        </p15:guide>
+      </p15:sldGuideLst>
+    </p:ext>
+  </p:extLst>
 </p:presentation>
 </file>
 
@@ -145,10 +161,9 @@
           <a:lstStyle/>
           <a:p>
             <a:r>
-              <a:rPr lang="en-US" smtClean="0"/>
+              <a:rPr lang="en-US"/>
               <a:t>Click to edit Master title style</a:t>
             </a:r>
-            <a:endParaRPr lang="en-US"/>
           </a:p>
         </p:txBody>
       </p:sp>
@@ -264,10 +279,9 @@
           </a:lstStyle>
           <a:p>
             <a:r>
-              <a:rPr lang="en-US" smtClean="0"/>
+              <a:rPr lang="en-US"/>
               <a:t>Click to edit Master subtitle style</a:t>
             </a:r>
-            <a:endParaRPr lang="en-US"/>
           </a:p>
         </p:txBody>
       </p:sp>
@@ -288,7 +302,7 @@
           <a:p>
             <a:fld id="{5BCAD085-E8A6-8845-BD4E-CB4CCA059FC4}" type="datetimeFigureOut">
               <a:rPr lang="en-US" smtClean="0"/>
-              <a:t>1/27/13</a:t>
+              <a:t>9/2/2025</a:t>
             </a:fld>
             <a:endParaRPr lang="en-US"/>
           </a:p>
@@ -382,10 +396,9 @@
           <a:lstStyle/>
           <a:p>
             <a:r>
-              <a:rPr lang="en-US" smtClean="0"/>
+              <a:rPr lang="en-US"/>
               <a:t>Click to edit Master title style</a:t>
             </a:r>
-            <a:endParaRPr lang="en-US"/>
           </a:p>
         </p:txBody>
       </p:sp>
@@ -406,38 +419,37 @@
           <a:p>
             <a:pPr lvl="0"/>
             <a:r>
-              <a:rPr lang="en-US" smtClean="0"/>
+              <a:rPr lang="en-US"/>
               <a:t>Click to edit Master text styles</a:t>
             </a:r>
           </a:p>
           <a:p>
             <a:pPr lvl="1"/>
             <a:r>
-              <a:rPr lang="en-US" smtClean="0"/>
+              <a:rPr lang="en-US"/>
               <a:t>Second level</a:t>
             </a:r>
           </a:p>
           <a:p>
             <a:pPr lvl="2"/>
             <a:r>
-              <a:rPr lang="en-US" smtClean="0"/>
+              <a:rPr lang="en-US"/>
               <a:t>Third level</a:t>
             </a:r>
           </a:p>
           <a:p>
             <a:pPr lvl="3"/>
             <a:r>
-              <a:rPr lang="en-US" smtClean="0"/>
+              <a:rPr lang="en-US"/>
               <a:t>Fourth level</a:t>
             </a:r>
           </a:p>
           <a:p>
             <a:pPr lvl="4"/>
             <a:r>
-              <a:rPr lang="en-US" smtClean="0"/>
+              <a:rPr lang="en-US"/>
               <a:t>Fifth level</a:t>
             </a:r>
-            <a:endParaRPr lang="en-US"/>
           </a:p>
         </p:txBody>
       </p:sp>
@@ -458,7 +470,7 @@
           <a:p>
             <a:fld id="{5BCAD085-E8A6-8845-BD4E-CB4CCA059FC4}" type="datetimeFigureOut">
               <a:rPr lang="en-US" smtClean="0"/>
-              <a:t>1/27/13</a:t>
+              <a:t>9/2/2025</a:t>
             </a:fld>
             <a:endParaRPr lang="en-US"/>
           </a:p>
@@ -557,10 +569,9 @@
           <a:lstStyle/>
           <a:p>
             <a:r>
-              <a:rPr lang="en-US" smtClean="0"/>
+              <a:rPr lang="en-US"/>
               <a:t>Click to edit Master title style</a:t>
             </a:r>
-            <a:endParaRPr lang="en-US"/>
           </a:p>
         </p:txBody>
       </p:sp>
@@ -586,38 +597,37 @@
           <a:p>
             <a:pPr lvl="0"/>
             <a:r>
-              <a:rPr lang="en-US" smtClean="0"/>
+              <a:rPr lang="en-US"/>
               <a:t>Click to edit Master text styles</a:t>
             </a:r>
           </a:p>
           <a:p>
             <a:pPr lvl="1"/>
             <a:r>
-              <a:rPr lang="en-US" smtClean="0"/>
+              <a:rPr lang="en-US"/>
               <a:t>Second level</a:t>
             </a:r>
           </a:p>
           <a:p>
             <a:pPr lvl="2"/>
             <a:r>
-              <a:rPr lang="en-US" smtClean="0"/>
+              <a:rPr lang="en-US"/>
               <a:t>Third level</a:t>
             </a:r>
           </a:p>
           <a:p>
             <a:pPr lvl="3"/>
             <a:r>
-              <a:rPr lang="en-US" smtClean="0"/>
+              <a:rPr lang="en-US"/>
               <a:t>Fourth level</a:t>
             </a:r>
           </a:p>
           <a:p>
             <a:pPr lvl="4"/>
             <a:r>
-              <a:rPr lang="en-US" smtClean="0"/>
+              <a:rPr lang="en-US"/>
               <a:t>Fifth level</a:t>
             </a:r>
-            <a:endParaRPr lang="en-US"/>
           </a:p>
         </p:txBody>
       </p:sp>
@@ -638,7 +648,7 @@
           <a:p>
             <a:fld id="{5BCAD085-E8A6-8845-BD4E-CB4CCA059FC4}" type="datetimeFigureOut">
               <a:rPr lang="en-US" smtClean="0"/>
-              <a:t>1/27/13</a:t>
+              <a:t>9/2/2025</a:t>
             </a:fld>
             <a:endParaRPr lang="en-US"/>
           </a:p>
@@ -732,10 +742,9 @@
           <a:lstStyle/>
           <a:p>
             <a:r>
-              <a:rPr lang="en-US" smtClean="0"/>
+              <a:rPr lang="en-US"/>
               <a:t>Click to edit Master title style</a:t>
             </a:r>
-            <a:endParaRPr lang="en-US"/>
           </a:p>
         </p:txBody>
       </p:sp>
@@ -756,38 +765,37 @@
           <a:p>
             <a:pPr lvl="0"/>
             <a:r>
-              <a:rPr lang="en-US" smtClean="0"/>
+              <a:rPr lang="en-US"/>
               <a:t>Click to edit Master text styles</a:t>
             </a:r>
           </a:p>
           <a:p>
             <a:pPr lvl="1"/>
             <a:r>
-              <a:rPr lang="en-US" smtClean="0"/>
+              <a:rPr lang="en-US"/>
               <a:t>Second level</a:t>
             </a:r>
           </a:p>
           <a:p>
             <a:pPr lvl="2"/>
             <a:r>
-              <a:rPr lang="en-US" smtClean="0"/>
+              <a:rPr lang="en-US"/>
               <a:t>Third level</a:t>
             </a:r>
           </a:p>
           <a:p>
             <a:pPr lvl="3"/>
             <a:r>
-              <a:rPr lang="en-US" smtClean="0"/>
+              <a:rPr lang="en-US"/>
               <a:t>Fourth level</a:t>
             </a:r>
           </a:p>
           <a:p>
             <a:pPr lvl="4"/>
             <a:r>
-              <a:rPr lang="en-US" smtClean="0"/>
+              <a:rPr lang="en-US"/>
               <a:t>Fifth level</a:t>
             </a:r>
-            <a:endParaRPr lang="en-US"/>
           </a:p>
         </p:txBody>
       </p:sp>
@@ -808,7 +816,7 @@
           <a:p>
             <a:fld id="{5BCAD085-E8A6-8845-BD4E-CB4CCA059FC4}" type="datetimeFigureOut">
               <a:rPr lang="en-US" smtClean="0"/>
-              <a:t>1/27/13</a:t>
+              <a:t>9/2/2025</a:t>
             </a:fld>
             <a:endParaRPr lang="en-US"/>
           </a:p>
@@ -911,10 +919,9 @@
           </a:lstStyle>
           <a:p>
             <a:r>
-              <a:rPr lang="en-US" smtClean="0"/>
+              <a:rPr lang="en-US"/>
               <a:t>Click to edit Master title style</a:t>
             </a:r>
-            <a:endParaRPr lang="en-US"/>
           </a:p>
         </p:txBody>
       </p:sp>
@@ -1031,7 +1038,7 @@
           <a:p>
             <a:pPr lvl="0"/>
             <a:r>
-              <a:rPr lang="en-US" smtClean="0"/>
+              <a:rPr lang="en-US"/>
               <a:t>Click to edit Master text styles</a:t>
             </a:r>
           </a:p>
@@ -1054,7 +1061,7 @@
           <a:p>
             <a:fld id="{5BCAD085-E8A6-8845-BD4E-CB4CCA059FC4}" type="datetimeFigureOut">
               <a:rPr lang="en-US" smtClean="0"/>
-              <a:t>1/27/13</a:t>
+              <a:t>9/2/2025</a:t>
             </a:fld>
             <a:endParaRPr lang="en-US"/>
           </a:p>
@@ -1148,10 +1155,9 @@
           <a:lstStyle/>
           <a:p>
             <a:r>
-              <a:rPr lang="en-US" smtClean="0"/>
+              <a:rPr lang="en-US"/>
               <a:t>Click to edit Master title style</a:t>
             </a:r>
-            <a:endParaRPr lang="en-US"/>
           </a:p>
         </p:txBody>
       </p:sp>
@@ -1205,38 +1211,37 @@
           <a:p>
             <a:pPr lvl="0"/>
             <a:r>
-              <a:rPr lang="en-US" smtClean="0"/>
+              <a:rPr lang="en-US"/>
               <a:t>Click to edit Master text styles</a:t>
             </a:r>
           </a:p>
           <a:p>
             <a:pPr lvl="1"/>
             <a:r>
-              <a:rPr lang="en-US" smtClean="0"/>
+              <a:rPr lang="en-US"/>
               <a:t>Second level</a:t>
             </a:r>
           </a:p>
           <a:p>
             <a:pPr lvl="2"/>
             <a:r>
-              <a:rPr lang="en-US" smtClean="0"/>
+              <a:rPr lang="en-US"/>
               <a:t>Third level</a:t>
             </a:r>
           </a:p>
           <a:p>
             <a:pPr lvl="3"/>
             <a:r>
-              <a:rPr lang="en-US" smtClean="0"/>
+              <a:rPr lang="en-US"/>
               <a:t>Fourth level</a:t>
             </a:r>
           </a:p>
           <a:p>
             <a:pPr lvl="4"/>
             <a:r>
-              <a:rPr lang="en-US" smtClean="0"/>
+              <a:rPr lang="en-US"/>
               <a:t>Fifth level</a:t>
             </a:r>
-            <a:endParaRPr lang="en-US"/>
           </a:p>
         </p:txBody>
       </p:sp>
@@ -1290,38 +1295,37 @@
           <a:p>
             <a:pPr lvl="0"/>
             <a:r>
-              <a:rPr lang="en-US" smtClean="0"/>
+              <a:rPr lang="en-US"/>
               <a:t>Click to edit Master text styles</a:t>
             </a:r>
           </a:p>
           <a:p>
             <a:pPr lvl="1"/>
             <a:r>
-              <a:rPr lang="en-US" smtClean="0"/>
+              <a:rPr lang="en-US"/>
               <a:t>Second level</a:t>
             </a:r>
           </a:p>
           <a:p>
             <a:pPr lvl="2"/>
             <a:r>
-              <a:rPr lang="en-US" smtClean="0"/>
+              <a:rPr lang="en-US"/>
               <a:t>Third level</a:t>
             </a:r>
           </a:p>
           <a:p>
             <a:pPr lvl="3"/>
             <a:r>
-              <a:rPr lang="en-US" smtClean="0"/>
+              <a:rPr lang="en-US"/>
               <a:t>Fourth level</a:t>
             </a:r>
           </a:p>
           <a:p>
             <a:pPr lvl="4"/>
             <a:r>
-              <a:rPr lang="en-US" smtClean="0"/>
+              <a:rPr lang="en-US"/>
               <a:t>Fifth level</a:t>
             </a:r>
-            <a:endParaRPr lang="en-US"/>
           </a:p>
         </p:txBody>
       </p:sp>
@@ -1342,7 +1346,7 @@
           <a:p>
             <a:fld id="{5BCAD085-E8A6-8845-BD4E-CB4CCA059FC4}" type="datetimeFigureOut">
               <a:rPr lang="en-US" smtClean="0"/>
-              <a:t>1/27/13</a:t>
+              <a:t>9/2/2025</a:t>
             </a:fld>
             <a:endParaRPr lang="en-US"/>
           </a:p>
@@ -1440,10 +1444,9 @@
           </a:lstStyle>
           <a:p>
             <a:r>
-              <a:rPr lang="en-US" smtClean="0"/>
+              <a:rPr lang="en-US"/>
               <a:t>Click to edit Master title style</a:t>
             </a:r>
-            <a:endParaRPr lang="en-US"/>
           </a:p>
         </p:txBody>
       </p:sp>
@@ -1506,7 +1509,7 @@
           <a:p>
             <a:pPr lvl="0"/>
             <a:r>
-              <a:rPr lang="en-US" smtClean="0"/>
+              <a:rPr lang="en-US"/>
               <a:t>Click to edit Master text styles</a:t>
             </a:r>
           </a:p>
@@ -1562,38 +1565,37 @@
           <a:p>
             <a:pPr lvl="0"/>
             <a:r>
-              <a:rPr lang="en-US" smtClean="0"/>
+              <a:rPr lang="en-US"/>
               <a:t>Click to edit Master text styles</a:t>
             </a:r>
           </a:p>
           <a:p>
             <a:pPr lvl="1"/>
             <a:r>
-              <a:rPr lang="en-US" smtClean="0"/>
+              <a:rPr lang="en-US"/>
               <a:t>Second level</a:t>
             </a:r>
           </a:p>
           <a:p>
             <a:pPr lvl="2"/>
             <a:r>
-              <a:rPr lang="en-US" smtClean="0"/>
+              <a:rPr lang="en-US"/>
               <a:t>Third level</a:t>
             </a:r>
           </a:p>
           <a:p>
             <a:pPr lvl="3"/>
             <a:r>
-              <a:rPr lang="en-US" smtClean="0"/>
+              <a:rPr lang="en-US"/>
               <a:t>Fourth level</a:t>
             </a:r>
           </a:p>
           <a:p>
             <a:pPr lvl="4"/>
             <a:r>
-              <a:rPr lang="en-US" smtClean="0"/>
+              <a:rPr lang="en-US"/>
               <a:t>Fifth level</a:t>
             </a:r>
-            <a:endParaRPr lang="en-US"/>
           </a:p>
         </p:txBody>
       </p:sp>
@@ -1656,7 +1658,7 @@
           <a:p>
             <a:pPr lvl="0"/>
             <a:r>
-              <a:rPr lang="en-US" smtClean="0"/>
+              <a:rPr lang="en-US"/>
               <a:t>Click to edit Master text styles</a:t>
             </a:r>
           </a:p>
@@ -1712,38 +1714,37 @@
           <a:p>
             <a:pPr lvl="0"/>
             <a:r>
-              <a:rPr lang="en-US" smtClean="0"/>
+              <a:rPr lang="en-US"/>
               <a:t>Click to edit Master text styles</a:t>
             </a:r>
           </a:p>
           <a:p>
             <a:pPr lvl="1"/>
             <a:r>
-              <a:rPr lang="en-US" smtClean="0"/>
+              <a:rPr lang="en-US"/>
               <a:t>Second level</a:t>
             </a:r>
           </a:p>
           <a:p>
             <a:pPr lvl="2"/>
             <a:r>
-              <a:rPr lang="en-US" smtClean="0"/>
+              <a:rPr lang="en-US"/>
               <a:t>Third level</a:t>
             </a:r>
           </a:p>
           <a:p>
             <a:pPr lvl="3"/>
             <a:r>
-              <a:rPr lang="en-US" smtClean="0"/>
+              <a:rPr lang="en-US"/>
               <a:t>Fourth level</a:t>
             </a:r>
           </a:p>
           <a:p>
             <a:pPr lvl="4"/>
             <a:r>
-              <a:rPr lang="en-US" smtClean="0"/>
+              <a:rPr lang="en-US"/>
               <a:t>Fifth level</a:t>
             </a:r>
-            <a:endParaRPr lang="en-US"/>
           </a:p>
         </p:txBody>
       </p:sp>
@@ -1764,7 +1765,7 @@
           <a:p>
             <a:fld id="{5BCAD085-E8A6-8845-BD4E-CB4CCA059FC4}" type="datetimeFigureOut">
               <a:rPr lang="en-US" smtClean="0"/>
-              <a:t>1/27/13</a:t>
+              <a:t>9/2/2025</a:t>
             </a:fld>
             <a:endParaRPr lang="en-US"/>
           </a:p>
@@ -1858,10 +1859,9 @@
           <a:lstStyle/>
           <a:p>
             <a:r>
-              <a:rPr lang="en-US" smtClean="0"/>
+              <a:rPr lang="en-US"/>
               <a:t>Click to edit Master title style</a:t>
             </a:r>
-            <a:endParaRPr lang="en-US"/>
           </a:p>
         </p:txBody>
       </p:sp>
@@ -1882,7 +1882,7 @@
           <a:p>
             <a:fld id="{5BCAD085-E8A6-8845-BD4E-CB4CCA059FC4}" type="datetimeFigureOut">
               <a:rPr lang="en-US" smtClean="0"/>
-              <a:t>1/27/13</a:t>
+              <a:t>9/2/2025</a:t>
             </a:fld>
             <a:endParaRPr lang="en-US"/>
           </a:p>
@@ -1977,7 +1977,7 @@
           <a:p>
             <a:fld id="{5BCAD085-E8A6-8845-BD4E-CB4CCA059FC4}" type="datetimeFigureOut">
               <a:rPr lang="en-US" smtClean="0"/>
-              <a:t>1/27/13</a:t>
+              <a:t>9/2/2025</a:t>
             </a:fld>
             <a:endParaRPr lang="en-US"/>
           </a:p>
@@ -2080,10 +2080,9 @@
           </a:lstStyle>
           <a:p>
             <a:r>
-              <a:rPr lang="en-US" smtClean="0"/>
+              <a:rPr lang="en-US"/>
               <a:t>Click to edit Master title style</a:t>
             </a:r>
-            <a:endParaRPr lang="en-US"/>
           </a:p>
         </p:txBody>
       </p:sp>
@@ -2137,38 +2136,37 @@
           <a:p>
             <a:pPr lvl="0"/>
             <a:r>
-              <a:rPr lang="en-US" smtClean="0"/>
+              <a:rPr lang="en-US"/>
               <a:t>Click to edit Master text styles</a:t>
             </a:r>
           </a:p>
           <a:p>
             <a:pPr lvl="1"/>
             <a:r>
-              <a:rPr lang="en-US" smtClean="0"/>
+              <a:rPr lang="en-US"/>
               <a:t>Second level</a:t>
             </a:r>
           </a:p>
           <a:p>
             <a:pPr lvl="2"/>
             <a:r>
-              <a:rPr lang="en-US" smtClean="0"/>
+              <a:rPr lang="en-US"/>
               <a:t>Third level</a:t>
             </a:r>
           </a:p>
           <a:p>
             <a:pPr lvl="3"/>
             <a:r>
-              <a:rPr lang="en-US" smtClean="0"/>
+              <a:rPr lang="en-US"/>
               <a:t>Fourth level</a:t>
             </a:r>
           </a:p>
           <a:p>
             <a:pPr lvl="4"/>
             <a:r>
-              <a:rPr lang="en-US" smtClean="0"/>
+              <a:rPr lang="en-US"/>
               <a:t>Fifth level</a:t>
             </a:r>
-            <a:endParaRPr lang="en-US"/>
           </a:p>
         </p:txBody>
       </p:sp>
@@ -2231,7 +2229,7 @@
           <a:p>
             <a:pPr lvl="0"/>
             <a:r>
-              <a:rPr lang="en-US" smtClean="0"/>
+              <a:rPr lang="en-US"/>
               <a:t>Click to edit Master text styles</a:t>
             </a:r>
           </a:p>
@@ -2254,7 +2252,7 @@
           <a:p>
             <a:fld id="{5BCAD085-E8A6-8845-BD4E-CB4CCA059FC4}" type="datetimeFigureOut">
               <a:rPr lang="en-US" smtClean="0"/>
-              <a:t>1/27/13</a:t>
+              <a:t>9/2/2025</a:t>
             </a:fld>
             <a:endParaRPr lang="en-US"/>
           </a:p>
@@ -2357,10 +2355,9 @@
           </a:lstStyle>
           <a:p>
             <a:r>
-              <a:rPr lang="en-US" smtClean="0"/>
+              <a:rPr lang="en-US"/>
               <a:t>Click to edit Master title style</a:t>
             </a:r>
-            <a:endParaRPr lang="en-US"/>
           </a:p>
         </p:txBody>
       </p:sp>
@@ -2484,7 +2481,7 @@
           <a:p>
             <a:pPr lvl="0"/>
             <a:r>
-              <a:rPr lang="en-US" smtClean="0"/>
+              <a:rPr lang="en-US"/>
               <a:t>Click to edit Master text styles</a:t>
             </a:r>
           </a:p>
@@ -2507,7 +2504,7 @@
           <a:p>
             <a:fld id="{5BCAD085-E8A6-8845-BD4E-CB4CCA059FC4}" type="datetimeFigureOut">
               <a:rPr lang="en-US" smtClean="0"/>
-              <a:t>1/27/13</a:t>
+              <a:t>9/2/2025</a:t>
             </a:fld>
             <a:endParaRPr lang="en-US"/>
           </a:p>
@@ -2616,10 +2613,9 @@
           <a:lstStyle/>
           <a:p>
             <a:r>
-              <a:rPr lang="en-US" smtClean="0"/>
+              <a:rPr lang="en-US"/>
               <a:t>Click to edit Master title style</a:t>
             </a:r>
-            <a:endParaRPr lang="en-US"/>
           </a:p>
         </p:txBody>
       </p:sp>
@@ -2650,38 +2646,37 @@
           <a:p>
             <a:pPr lvl="0"/>
             <a:r>
-              <a:rPr lang="en-US" smtClean="0"/>
+              <a:rPr lang="en-US"/>
               <a:t>Click to edit Master text styles</a:t>
             </a:r>
           </a:p>
           <a:p>
             <a:pPr lvl="1"/>
             <a:r>
-              <a:rPr lang="en-US" smtClean="0"/>
+              <a:rPr lang="en-US"/>
               <a:t>Second level</a:t>
             </a:r>
           </a:p>
           <a:p>
             <a:pPr lvl="2"/>
             <a:r>
-              <a:rPr lang="en-US" smtClean="0"/>
+              <a:rPr lang="en-US"/>
               <a:t>Third level</a:t>
             </a:r>
           </a:p>
           <a:p>
             <a:pPr lvl="3"/>
             <a:r>
-              <a:rPr lang="en-US" smtClean="0"/>
+              <a:rPr lang="en-US"/>
               <a:t>Fourth level</a:t>
             </a:r>
           </a:p>
           <a:p>
             <a:pPr lvl="4"/>
             <a:r>
-              <a:rPr lang="en-US" smtClean="0"/>
+              <a:rPr lang="en-US"/>
               <a:t>Fifth level</a:t>
             </a:r>
-            <a:endParaRPr lang="en-US"/>
           </a:p>
         </p:txBody>
       </p:sp>
@@ -2720,7 +2715,7 @@
           <a:p>
             <a:fld id="{5BCAD085-E8A6-8845-BD4E-CB4CCA059FC4}" type="datetimeFigureOut">
               <a:rPr lang="en-US" smtClean="0"/>
-              <a:t>1/27/13</a:t>
+              <a:t>9/2/2025</a:t>
             </a:fld>
             <a:endParaRPr lang="en-US"/>
           </a:p>
@@ -3079,7 +3074,7 @@
 </file>
 
 <file path=ppt/slides/slide1.xml><?xml version="1.0" encoding="utf-8"?>
-<p:sld xmlns:a="http://schemas.openxmlformats.org/drawingml/2006/main" xmlns:p="http://schemas.openxmlformats.org/presentationml/2006/main" xmlns:r="http://schemas.openxmlformats.org/officeDocument/2006/relationships">
+<p:sld xmlns:a="http://schemas.openxmlformats.org/drawingml/2006/main" xmlns:r="http://schemas.openxmlformats.org/officeDocument/2006/relationships" xmlns:p="http://schemas.openxmlformats.org/presentationml/2006/main">
   <p:cSld>
     <p:spTree>
       <p:nvGrpSpPr>
@@ -3087,405 +3082,715 @@
         <p:cNvGrpSpPr/>
         <p:nvPr/>
       </p:nvGrpSpPr>
-      <p:grpSpPr/>
-      <p:sp>
-        <p:nvSpPr>
-          <p:cNvPr id="2" name="Rectangle 1"/>
-          <p:cNvSpPr/>
+      <p:grpSpPr>
+        <a:xfrm>
+          <a:off x="0" y="0"/>
+          <a:ext cx="0" cy="0"/>
+          <a:chOff x="0" y="0"/>
+          <a:chExt cx="0" cy="0"/>
+        </a:xfrm>
+      </p:grpSpPr>
+      <p:grpSp>
+        <p:nvGrpSpPr>
+          <p:cNvPr id="41" name="Группа 40">
+            <a:extLst>
+              <a:ext uri="{FF2B5EF4-FFF2-40B4-BE49-F238E27FC236}">
+                <a16:creationId xmlns:a16="http://schemas.microsoft.com/office/drawing/2014/main" id="{E9ED633A-B60D-4CE2-DD61-1D4AEA46F7B1}"/>
+              </a:ext>
+            </a:extLst>
+          </p:cNvPr>
+          <p:cNvGrpSpPr/>
           <p:nvPr/>
-        </p:nvSpPr>
-        <p:spPr>
+        </p:nvGrpSpPr>
+        <p:grpSpPr>
           <a:xfrm>
-            <a:off x="3474720" y="2103120"/>
-            <a:ext cx="2194560" cy="2194560"/>
+            <a:off x="1400513" y="274324"/>
+            <a:ext cx="7394535" cy="6400800"/>
+            <a:chOff x="874732" y="0"/>
+            <a:chExt cx="7394535" cy="6400800"/>
           </a:xfrm>
-          <a:prstGeom prst="rect">
-            <a:avLst/>
-          </a:prstGeom>
-          <a:solidFill>
-            <a:srgbClr val="FFA500"/>
-          </a:solidFill>
-        </p:spPr>
-        <p:style>
-          <a:lnRef idx="1">
-            <a:schemeClr val="accent1"/>
-          </a:lnRef>
-          <a:fillRef idx="3">
-            <a:schemeClr val="accent1"/>
-          </a:fillRef>
-          <a:effectRef idx="2">
-            <a:schemeClr val="accent1"/>
-          </a:effectRef>
-          <a:fontRef idx="minor">
-            <a:schemeClr val="lt1"/>
-          </a:fontRef>
-        </p:style>
-        <p:txBody>
-          <a:bodyPr rtlCol="0" anchor="ctr"/>
-          <a:lstStyle/>
-          <a:p>
-            <a:pPr algn="l"/>
-            <a:r>
-              <a:rPr sz="1600" b="1">
-                <a:solidFill>
-                  <a:srgbClr val="FFFFFF"/>
-                </a:solidFill>
-              </a:rPr>
-              <a:t>ДОСТОИНСТВО</a:t>
-            </a:r>
-          </a:p>
-          <a:p>
-            <a:r>
-              <a:rPr sz="1600" b="1">
-                <a:solidFill>
-                  <a:srgbClr val="FFFFFF"/>
-                </a:solidFill>
-              </a:rPr>
-              <a:t>ЧЕЛОВЕКА</a:t>
-            </a:r>
-          </a:p>
-        </p:txBody>
-      </p:sp>
-      <p:sp>
-        <p:nvSpPr>
-          <p:cNvPr id="3" name="TextBox 2"/>
-          <p:cNvSpPr txBox="1"/>
-          <p:nvPr/>
-        </p:nvSpPr>
-        <p:spPr>
-          <a:xfrm>
-            <a:off x="3657600" y="0"/>
-            <a:ext cx="1828800" cy="548640"/>
-          </a:xfrm>
-          <a:prstGeom prst="rect">
-            <a:avLst/>
-          </a:prstGeom>
-          <a:noFill/>
-        </p:spPr>
-        <p:txBody>
-          <a:bodyPr wrap="none">
-            <a:spAutoFit/>
-          </a:bodyPr>
-          <a:lstStyle/>
-          <a:p>
-            <a:pPr algn="l"/>
-            <a:r>
-              <a:rPr sz="1400" b="1">
+        </p:grpSpPr>
+        <p:sp>
+          <p:nvSpPr>
+            <p:cNvPr id="3" name="TextBox 2"/>
+            <p:cNvSpPr txBox="1"/>
+            <p:nvPr/>
+          </p:nvSpPr>
+          <p:spPr>
+            <a:xfrm>
+              <a:off x="3657600" y="0"/>
+              <a:ext cx="1828800" cy="548640"/>
+            </a:xfrm>
+            <a:prstGeom prst="rect">
+              <a:avLst/>
+            </a:prstGeom>
+            <a:noFill/>
+          </p:spPr>
+          <p:txBody>
+            <a:bodyPr wrap="none">
+              <a:spAutoFit/>
+            </a:bodyPr>
+            <a:lstStyle/>
+            <a:p>
+              <a:pPr algn="l"/>
+              <a:r>
+                <a:rPr sz="1400" b="1" dirty="0" err="1">
+                  <a:solidFill>
+                    <a:srgbClr val="003366"/>
+                  </a:solidFill>
+                </a:rPr>
+                <a:t>Свобода</a:t>
+              </a:r>
+              <a:endParaRPr sz="1400" b="1" dirty="0">
                 <a:solidFill>
                   <a:srgbClr val="003366"/>
                 </a:solidFill>
-              </a:rPr>
-              <a:t>Свобода</a:t>
-            </a:r>
-          </a:p>
-        </p:txBody>
-      </p:sp>
-      <p:sp>
-        <p:nvSpPr>
-          <p:cNvPr id="4" name="TextBox 3"/>
-          <p:cNvSpPr txBox="1"/>
-          <p:nvPr/>
-        </p:nvSpPr>
-        <p:spPr>
-          <a:xfrm>
-            <a:off x="5377506" y="558831"/>
-            <a:ext cx="1828800" cy="548640"/>
-          </a:xfrm>
-          <a:prstGeom prst="rect">
-            <a:avLst/>
-          </a:prstGeom>
-          <a:noFill/>
-        </p:spPr>
-        <p:txBody>
-          <a:bodyPr wrap="none">
-            <a:spAutoFit/>
-          </a:bodyPr>
-          <a:lstStyle/>
-          <a:p>
-            <a:pPr algn="l"/>
-            <a:r>
-              <a:rPr sz="1400" b="1">
+              </a:endParaRPr>
+            </a:p>
+          </p:txBody>
+        </p:sp>
+        <p:sp>
+          <p:nvSpPr>
+            <p:cNvPr id="4" name="TextBox 3"/>
+            <p:cNvSpPr txBox="1"/>
+            <p:nvPr/>
+          </p:nvSpPr>
+          <p:spPr>
+            <a:xfrm>
+              <a:off x="5377506" y="558831"/>
+              <a:ext cx="1828800" cy="548640"/>
+            </a:xfrm>
+            <a:prstGeom prst="rect">
+              <a:avLst/>
+            </a:prstGeom>
+            <a:noFill/>
+          </p:spPr>
+          <p:txBody>
+            <a:bodyPr wrap="none">
+              <a:spAutoFit/>
+            </a:bodyPr>
+            <a:lstStyle/>
+            <a:p>
+              <a:pPr algn="l"/>
+              <a:r>
+                <a:rPr sz="1400" b="1" dirty="0" err="1">
+                  <a:solidFill>
+                    <a:srgbClr val="003366"/>
+                  </a:solidFill>
+                </a:rPr>
+                <a:t>Здоровье</a:t>
+              </a:r>
+              <a:endParaRPr sz="1400" b="1" dirty="0">
                 <a:solidFill>
                   <a:srgbClr val="003366"/>
                 </a:solidFill>
-              </a:rPr>
-              <a:t>Здоровье</a:t>
-            </a:r>
-          </a:p>
-        </p:txBody>
-      </p:sp>
-      <p:sp>
-        <p:nvSpPr>
-          <p:cNvPr id="5" name="TextBox 4"/>
-          <p:cNvSpPr txBox="1"/>
-          <p:nvPr/>
-        </p:nvSpPr>
-        <p:spPr>
-          <a:xfrm>
-            <a:off x="6440467" y="2021871"/>
-            <a:ext cx="1828800" cy="548640"/>
-          </a:xfrm>
-          <a:prstGeom prst="rect">
-            <a:avLst/>
-          </a:prstGeom>
-          <a:noFill/>
-        </p:spPr>
-        <p:txBody>
-          <a:bodyPr wrap="none">
-            <a:spAutoFit/>
-          </a:bodyPr>
-          <a:lstStyle/>
-          <a:p>
-            <a:pPr algn="l"/>
-            <a:r>
-              <a:rPr sz="1400" b="1">
+              </a:endParaRPr>
+            </a:p>
+          </p:txBody>
+        </p:sp>
+        <p:sp>
+          <p:nvSpPr>
+            <p:cNvPr id="5" name="TextBox 4"/>
+            <p:cNvSpPr txBox="1"/>
+            <p:nvPr/>
+          </p:nvSpPr>
+          <p:spPr>
+            <a:xfrm>
+              <a:off x="6440467" y="2021871"/>
+              <a:ext cx="1828800" cy="548640"/>
+            </a:xfrm>
+            <a:prstGeom prst="rect">
+              <a:avLst/>
+            </a:prstGeom>
+            <a:noFill/>
+          </p:spPr>
+          <p:txBody>
+            <a:bodyPr wrap="none">
+              <a:spAutoFit/>
+            </a:bodyPr>
+            <a:lstStyle/>
+            <a:p>
+              <a:pPr algn="l"/>
+              <a:r>
+                <a:rPr sz="1400" b="1" dirty="0" err="1">
+                  <a:solidFill>
+                    <a:srgbClr val="003366"/>
+                  </a:solidFill>
+                </a:rPr>
+                <a:t>Семья</a:t>
+              </a:r>
+              <a:endParaRPr sz="1400" b="1" dirty="0">
                 <a:solidFill>
                   <a:srgbClr val="003366"/>
                 </a:solidFill>
-              </a:rPr>
-              <a:t>Семья</a:t>
-            </a:r>
-          </a:p>
-        </p:txBody>
-      </p:sp>
-      <p:sp>
-        <p:nvSpPr>
-          <p:cNvPr id="6" name="TextBox 5"/>
-          <p:cNvSpPr txBox="1"/>
-          <p:nvPr/>
-        </p:nvSpPr>
-        <p:spPr>
-          <a:xfrm>
-            <a:off x="6440467" y="3830288"/>
-            <a:ext cx="1828800" cy="548640"/>
-          </a:xfrm>
-          <a:prstGeom prst="rect">
-            <a:avLst/>
-          </a:prstGeom>
-          <a:noFill/>
-        </p:spPr>
-        <p:txBody>
-          <a:bodyPr wrap="none">
-            <a:spAutoFit/>
-          </a:bodyPr>
-          <a:lstStyle/>
-          <a:p>
-            <a:pPr algn="l"/>
-            <a:r>
-              <a:rPr sz="1400" b="1">
+              </a:endParaRPr>
+            </a:p>
+          </p:txBody>
+        </p:sp>
+        <p:sp>
+          <p:nvSpPr>
+            <p:cNvPr id="6" name="TextBox 5"/>
+            <p:cNvSpPr txBox="1"/>
+            <p:nvPr/>
+          </p:nvSpPr>
+          <p:spPr>
+            <a:xfrm>
+              <a:off x="6440467" y="3830288"/>
+              <a:ext cx="1828800" cy="548640"/>
+            </a:xfrm>
+            <a:prstGeom prst="rect">
+              <a:avLst/>
+            </a:prstGeom>
+            <a:noFill/>
+          </p:spPr>
+          <p:txBody>
+            <a:bodyPr wrap="none">
+              <a:spAutoFit/>
+            </a:bodyPr>
+            <a:lstStyle/>
+            <a:p>
+              <a:pPr algn="l"/>
+              <a:r>
+                <a:rPr sz="1400" b="1" dirty="0" err="1">
+                  <a:solidFill>
+                    <a:srgbClr val="003366"/>
+                  </a:solidFill>
+                </a:rPr>
+                <a:t>Этика</a:t>
+              </a:r>
+              <a:endParaRPr sz="1400" b="1" dirty="0">
                 <a:solidFill>
                   <a:srgbClr val="003366"/>
                 </a:solidFill>
-              </a:rPr>
-              <a:t>Этика</a:t>
-            </a:r>
-          </a:p>
-        </p:txBody>
-      </p:sp>
-      <p:sp>
-        <p:nvSpPr>
-          <p:cNvPr id="7" name="TextBox 6"/>
-          <p:cNvSpPr txBox="1"/>
-          <p:nvPr/>
-        </p:nvSpPr>
-        <p:spPr>
-          <a:xfrm>
-            <a:off x="5377506" y="5293328"/>
-            <a:ext cx="1828800" cy="548640"/>
-          </a:xfrm>
-          <a:prstGeom prst="rect">
-            <a:avLst/>
-          </a:prstGeom>
-          <a:noFill/>
-        </p:spPr>
-        <p:txBody>
-          <a:bodyPr wrap="none">
-            <a:spAutoFit/>
-          </a:bodyPr>
-          <a:lstStyle/>
-          <a:p>
-            <a:pPr algn="l"/>
-            <a:r>
-              <a:rPr sz="1400" b="1">
+              </a:endParaRPr>
+            </a:p>
+          </p:txBody>
+        </p:sp>
+        <p:sp>
+          <p:nvSpPr>
+            <p:cNvPr id="7" name="TextBox 6"/>
+            <p:cNvSpPr txBox="1"/>
+            <p:nvPr/>
+          </p:nvSpPr>
+          <p:spPr>
+            <a:xfrm>
+              <a:off x="5377506" y="5293328"/>
+              <a:ext cx="1828800" cy="548640"/>
+            </a:xfrm>
+            <a:prstGeom prst="rect">
+              <a:avLst/>
+            </a:prstGeom>
+            <a:noFill/>
+          </p:spPr>
+          <p:txBody>
+            <a:bodyPr wrap="none">
+              <a:spAutoFit/>
+            </a:bodyPr>
+            <a:lstStyle/>
+            <a:p>
+              <a:pPr algn="l"/>
+              <a:r>
+                <a:rPr sz="1400" b="1" dirty="0" err="1">
+                  <a:solidFill>
+                    <a:srgbClr val="003366"/>
+                  </a:solidFill>
+                </a:rPr>
+                <a:t>Знания</a:t>
+              </a:r>
+              <a:endParaRPr sz="1400" b="1" dirty="0">
                 <a:solidFill>
                   <a:srgbClr val="003366"/>
                 </a:solidFill>
-              </a:rPr>
-              <a:t>Знания</a:t>
-            </a:r>
-          </a:p>
-        </p:txBody>
-      </p:sp>
-      <p:sp>
-        <p:nvSpPr>
-          <p:cNvPr id="8" name="TextBox 7"/>
-          <p:cNvSpPr txBox="1"/>
-          <p:nvPr/>
-        </p:nvSpPr>
-        <p:spPr>
-          <a:xfrm>
-            <a:off x="3657600" y="5852160"/>
-            <a:ext cx="1828800" cy="548640"/>
-          </a:xfrm>
-          <a:prstGeom prst="rect">
-            <a:avLst/>
-          </a:prstGeom>
-          <a:noFill/>
-        </p:spPr>
-        <p:txBody>
-          <a:bodyPr wrap="none">
-            <a:spAutoFit/>
-          </a:bodyPr>
-          <a:lstStyle/>
-          <a:p>
-            <a:pPr algn="l"/>
-            <a:r>
-              <a:rPr sz="1400" b="1">
+              </a:endParaRPr>
+            </a:p>
+          </p:txBody>
+        </p:sp>
+        <p:sp>
+          <p:nvSpPr>
+            <p:cNvPr id="8" name="TextBox 7"/>
+            <p:cNvSpPr txBox="1"/>
+            <p:nvPr/>
+          </p:nvSpPr>
+          <p:spPr>
+            <a:xfrm>
+              <a:off x="3657600" y="5852160"/>
+              <a:ext cx="1828800" cy="548640"/>
+            </a:xfrm>
+            <a:prstGeom prst="rect">
+              <a:avLst/>
+            </a:prstGeom>
+            <a:noFill/>
+          </p:spPr>
+          <p:txBody>
+            <a:bodyPr wrap="none">
+              <a:spAutoFit/>
+            </a:bodyPr>
+            <a:lstStyle/>
+            <a:p>
+              <a:pPr algn="l"/>
+              <a:r>
+                <a:rPr sz="1400" b="1" dirty="0" err="1">
+                  <a:solidFill>
+                    <a:srgbClr val="003366"/>
+                  </a:solidFill>
+                </a:rPr>
+                <a:t>Любовь</a:t>
+              </a:r>
+              <a:endParaRPr sz="1400" b="1" dirty="0">
                 <a:solidFill>
                   <a:srgbClr val="003366"/>
                 </a:solidFill>
-              </a:rPr>
-              <a:t>Любовь</a:t>
-            </a:r>
-          </a:p>
-        </p:txBody>
-      </p:sp>
-      <p:sp>
-        <p:nvSpPr>
-          <p:cNvPr id="9" name="TextBox 8"/>
-          <p:cNvSpPr txBox="1"/>
-          <p:nvPr/>
-        </p:nvSpPr>
-        <p:spPr>
-          <a:xfrm>
-            <a:off x="1937693" y="5293328"/>
-            <a:ext cx="1828800" cy="548640"/>
-          </a:xfrm>
-          <a:prstGeom prst="rect">
-            <a:avLst/>
-          </a:prstGeom>
-          <a:noFill/>
-        </p:spPr>
-        <p:txBody>
-          <a:bodyPr wrap="none">
-            <a:spAutoFit/>
-          </a:bodyPr>
-          <a:lstStyle/>
-          <a:p>
-            <a:pPr algn="l"/>
-            <a:r>
-              <a:rPr sz="1400" b="1">
+              </a:endParaRPr>
+            </a:p>
+          </p:txBody>
+        </p:sp>
+        <p:sp>
+          <p:nvSpPr>
+            <p:cNvPr id="9" name="TextBox 8"/>
+            <p:cNvSpPr txBox="1"/>
+            <p:nvPr/>
+          </p:nvSpPr>
+          <p:spPr>
+            <a:xfrm>
+              <a:off x="1937693" y="5293328"/>
+              <a:ext cx="1828800" cy="548640"/>
+            </a:xfrm>
+            <a:prstGeom prst="rect">
+              <a:avLst/>
+            </a:prstGeom>
+            <a:noFill/>
+          </p:spPr>
+          <p:txBody>
+            <a:bodyPr wrap="none">
+              <a:spAutoFit/>
+            </a:bodyPr>
+            <a:lstStyle/>
+            <a:p>
+              <a:pPr algn="l"/>
+              <a:r>
+                <a:rPr sz="1400" b="1">
+                  <a:solidFill>
+                    <a:srgbClr val="003366"/>
+                  </a:solidFill>
+                </a:rPr>
+                <a:t>Дом</a:t>
+              </a:r>
+            </a:p>
+          </p:txBody>
+        </p:sp>
+        <p:sp>
+          <p:nvSpPr>
+            <p:cNvPr id="10" name="TextBox 9"/>
+            <p:cNvSpPr txBox="1"/>
+            <p:nvPr/>
+          </p:nvSpPr>
+          <p:spPr>
+            <a:xfrm>
+              <a:off x="874732" y="3830288"/>
+              <a:ext cx="1828800" cy="548640"/>
+            </a:xfrm>
+            <a:prstGeom prst="rect">
+              <a:avLst/>
+            </a:prstGeom>
+            <a:noFill/>
+          </p:spPr>
+          <p:txBody>
+            <a:bodyPr wrap="none">
+              <a:spAutoFit/>
+            </a:bodyPr>
+            <a:lstStyle/>
+            <a:p>
+              <a:pPr algn="l"/>
+              <a:r>
+                <a:rPr sz="1400" b="1">
+                  <a:solidFill>
+                    <a:srgbClr val="003366"/>
+                  </a:solidFill>
+                </a:rPr>
+                <a:t>Деньги</a:t>
+              </a:r>
+            </a:p>
+          </p:txBody>
+        </p:sp>
+        <p:sp>
+          <p:nvSpPr>
+            <p:cNvPr id="11" name="TextBox 10"/>
+            <p:cNvSpPr txBox="1"/>
+            <p:nvPr/>
+          </p:nvSpPr>
+          <p:spPr>
+            <a:xfrm>
+              <a:off x="874732" y="2021871"/>
+              <a:ext cx="1828800" cy="548640"/>
+            </a:xfrm>
+            <a:prstGeom prst="rect">
+              <a:avLst/>
+            </a:prstGeom>
+            <a:noFill/>
+          </p:spPr>
+          <p:txBody>
+            <a:bodyPr wrap="none">
+              <a:spAutoFit/>
+            </a:bodyPr>
+            <a:lstStyle/>
+            <a:p>
+              <a:pPr algn="l"/>
+              <a:r>
+                <a:rPr sz="1400" b="1" dirty="0" err="1">
+                  <a:solidFill>
+                    <a:srgbClr val="003366"/>
+                  </a:solidFill>
+                </a:rPr>
+                <a:t>Работа</a:t>
+              </a:r>
+              <a:endParaRPr sz="1400" b="1" dirty="0">
                 <a:solidFill>
                   <a:srgbClr val="003366"/>
                 </a:solidFill>
-              </a:rPr>
-              <a:t>Дом</a:t>
-            </a:r>
-          </a:p>
-        </p:txBody>
-      </p:sp>
-      <p:sp>
-        <p:nvSpPr>
-          <p:cNvPr id="10" name="TextBox 9"/>
-          <p:cNvSpPr txBox="1"/>
-          <p:nvPr/>
-        </p:nvSpPr>
-        <p:spPr>
-          <a:xfrm>
-            <a:off x="874732" y="3830288"/>
-            <a:ext cx="1828800" cy="548640"/>
-          </a:xfrm>
-          <a:prstGeom prst="rect">
-            <a:avLst/>
-          </a:prstGeom>
-          <a:noFill/>
-        </p:spPr>
-        <p:txBody>
-          <a:bodyPr wrap="none">
-            <a:spAutoFit/>
-          </a:bodyPr>
-          <a:lstStyle/>
-          <a:p>
-            <a:pPr algn="l"/>
-            <a:r>
-              <a:rPr sz="1400" b="1">
+              </a:endParaRPr>
+            </a:p>
+          </p:txBody>
+        </p:sp>
+        <p:sp>
+          <p:nvSpPr>
+            <p:cNvPr id="12" name="TextBox 11"/>
+            <p:cNvSpPr txBox="1"/>
+            <p:nvPr/>
+          </p:nvSpPr>
+          <p:spPr>
+            <a:xfrm>
+              <a:off x="1937693" y="558831"/>
+              <a:ext cx="1828800" cy="548640"/>
+            </a:xfrm>
+            <a:prstGeom prst="rect">
+              <a:avLst/>
+            </a:prstGeom>
+            <a:noFill/>
+          </p:spPr>
+          <p:txBody>
+            <a:bodyPr wrap="none">
+              <a:spAutoFit/>
+            </a:bodyPr>
+            <a:lstStyle/>
+            <a:p>
+              <a:pPr algn="l"/>
+              <a:r>
+                <a:rPr sz="1400" b="1" dirty="0" err="1">
+                  <a:solidFill>
+                    <a:srgbClr val="003366"/>
+                  </a:solidFill>
+                </a:rPr>
+                <a:t>Защита</a:t>
+              </a:r>
+              <a:endParaRPr sz="1400" b="1" dirty="0">
                 <a:solidFill>
                   <a:srgbClr val="003366"/>
                 </a:solidFill>
-              </a:rPr>
-              <a:t>Деньги</a:t>
-            </a:r>
-          </a:p>
-        </p:txBody>
-      </p:sp>
-      <p:sp>
-        <p:nvSpPr>
-          <p:cNvPr id="11" name="TextBox 10"/>
-          <p:cNvSpPr txBox="1"/>
-          <p:nvPr/>
-        </p:nvSpPr>
-        <p:spPr>
-          <a:xfrm>
-            <a:off x="874732" y="2021871"/>
-            <a:ext cx="1828800" cy="548640"/>
-          </a:xfrm>
-          <a:prstGeom prst="rect">
-            <a:avLst/>
-          </a:prstGeom>
-          <a:noFill/>
-        </p:spPr>
-        <p:txBody>
-          <a:bodyPr wrap="none">
-            <a:spAutoFit/>
-          </a:bodyPr>
-          <a:lstStyle/>
-          <a:p>
-            <a:pPr algn="l"/>
-            <a:r>
-              <a:rPr sz="1400" b="1">
-                <a:solidFill>
-                  <a:srgbClr val="003366"/>
-                </a:solidFill>
-              </a:rPr>
-              <a:t>Работа</a:t>
-            </a:r>
-          </a:p>
-        </p:txBody>
-      </p:sp>
-      <p:sp>
-        <p:nvSpPr>
-          <p:cNvPr id="12" name="TextBox 11"/>
-          <p:cNvSpPr txBox="1"/>
-          <p:nvPr/>
-        </p:nvSpPr>
-        <p:spPr>
-          <a:xfrm>
-            <a:off x="1937693" y="558831"/>
-            <a:ext cx="1828800" cy="548640"/>
-          </a:xfrm>
-          <a:prstGeom prst="rect">
-            <a:avLst/>
-          </a:prstGeom>
-          <a:noFill/>
-        </p:spPr>
-        <p:txBody>
-          <a:bodyPr wrap="none">
-            <a:spAutoFit/>
-          </a:bodyPr>
-          <a:lstStyle/>
-          <a:p>
-            <a:pPr algn="l"/>
-            <a:r>
-              <a:rPr sz="1400" b="1">
-                <a:solidFill>
-                  <a:srgbClr val="003366"/>
-                </a:solidFill>
-              </a:rPr>
-              <a:t>Защита</a:t>
-            </a:r>
-          </a:p>
-        </p:txBody>
-      </p:sp>
+              </a:endParaRPr>
+            </a:p>
+          </p:txBody>
+        </p:sp>
+        <p:pic>
+          <p:nvPicPr>
+            <p:cNvPr id="18" name="Рисунок 17" descr="Изображение выглядит как графическая вставка, символ, Графика&#10;&#10;Контент, сгенерированный ИИ, может содержать ошибки.">
+              <a:extLst>
+                <a:ext uri="{FF2B5EF4-FFF2-40B4-BE49-F238E27FC236}">
+                  <a16:creationId xmlns:a16="http://schemas.microsoft.com/office/drawing/2014/main" id="{FE5D4B1F-E207-90B3-DEC8-3B74EA743A25}"/>
+                </a:ext>
+              </a:extLst>
+            </p:cNvPr>
+            <p:cNvPicPr>
+              <a:picLocks noChangeAspect="1"/>
+            </p:cNvPicPr>
+            <p:nvPr/>
+          </p:nvPicPr>
+          <p:blipFill>
+            <a:blip r:embed="rId2"/>
+            <a:stretch>
+              <a:fillRect/>
+            </a:stretch>
+          </p:blipFill>
+          <p:spPr>
+            <a:xfrm>
+              <a:off x="5377506" y="4703184"/>
+              <a:ext cx="634921" cy="634921"/>
+            </a:xfrm>
+            <a:prstGeom prst="rect">
+              <a:avLst/>
+            </a:prstGeom>
+          </p:spPr>
+        </p:pic>
+        <p:pic>
+          <p:nvPicPr>
+            <p:cNvPr id="20" name="Рисунок 19" descr="Изображение выглядит как графическая вставка, Графика, искусство&#10;&#10;Контент, сгенерированный ИИ, может содержать ошибки.">
+              <a:extLst>
+                <a:ext uri="{FF2B5EF4-FFF2-40B4-BE49-F238E27FC236}">
+                  <a16:creationId xmlns:a16="http://schemas.microsoft.com/office/drawing/2014/main" id="{6653B54A-D83D-5C47-724D-587D61D4957E}"/>
+                </a:ext>
+              </a:extLst>
+            </p:cNvPr>
+            <p:cNvPicPr>
+              <a:picLocks noChangeAspect="1"/>
+            </p:cNvPicPr>
+            <p:nvPr/>
+          </p:nvPicPr>
+          <p:blipFill>
+            <a:blip r:embed="rId3"/>
+            <a:stretch>
+              <a:fillRect/>
+            </a:stretch>
+          </p:blipFill>
+          <p:spPr>
+            <a:xfrm>
+              <a:off x="944521" y="1495946"/>
+              <a:ext cx="634921" cy="634921"/>
+            </a:xfrm>
+            <a:prstGeom prst="rect">
+              <a:avLst/>
+            </a:prstGeom>
+          </p:spPr>
+        </p:pic>
+        <p:pic>
+          <p:nvPicPr>
+            <p:cNvPr id="22" name="Рисунок 21">
+              <a:extLst>
+                <a:ext uri="{FF2B5EF4-FFF2-40B4-BE49-F238E27FC236}">
+                  <a16:creationId xmlns:a16="http://schemas.microsoft.com/office/drawing/2014/main" id="{89AC00EE-80B5-30F2-A0D7-5B54900AAAED}"/>
+                </a:ext>
+              </a:extLst>
+            </p:cNvPr>
+            <p:cNvPicPr>
+              <a:picLocks noChangeAspect="1"/>
+            </p:cNvPicPr>
+            <p:nvPr/>
+          </p:nvPicPr>
+          <p:blipFill>
+            <a:blip r:embed="rId4"/>
+            <a:stretch>
+              <a:fillRect/>
+            </a:stretch>
+          </p:blipFill>
+          <p:spPr>
+            <a:xfrm>
+              <a:off x="3723063" y="5264307"/>
+              <a:ext cx="634921" cy="634921"/>
+            </a:xfrm>
+            <a:prstGeom prst="rect">
+              <a:avLst/>
+            </a:prstGeom>
+          </p:spPr>
+        </p:pic>
+        <p:pic>
+          <p:nvPicPr>
+            <p:cNvPr id="24" name="Рисунок 23" descr="Изображение выглядит как графическая вставка, Графика, творческий подход, искусство&#10;&#10;Контент, сгенерированный ИИ, может содержать ошибки.">
+              <a:extLst>
+                <a:ext uri="{FF2B5EF4-FFF2-40B4-BE49-F238E27FC236}">
+                  <a16:creationId xmlns:a16="http://schemas.microsoft.com/office/drawing/2014/main" id="{DDA20408-06A9-30AF-BFBB-23DAC4EE3BD7}"/>
+                </a:ext>
+              </a:extLst>
+            </p:cNvPr>
+            <p:cNvPicPr>
+              <a:picLocks noChangeAspect="1"/>
+            </p:cNvPicPr>
+            <p:nvPr/>
+          </p:nvPicPr>
+          <p:blipFill>
+            <a:blip r:embed="rId5"/>
+            <a:stretch>
+              <a:fillRect/>
+            </a:stretch>
+          </p:blipFill>
+          <p:spPr>
+            <a:xfrm>
+              <a:off x="3733785" y="274324"/>
+              <a:ext cx="634921" cy="634921"/>
+            </a:xfrm>
+            <a:prstGeom prst="rect">
+              <a:avLst/>
+            </a:prstGeom>
+          </p:spPr>
+        </p:pic>
+        <p:pic>
+          <p:nvPicPr>
+            <p:cNvPr id="26" name="Рисунок 25" descr="Изображение выглядит как графическая вставка, Графика, символ, дизайн&#10;&#10;Контент, сгенерированный ИИ, может содержать ошибки.">
+              <a:extLst>
+                <a:ext uri="{FF2B5EF4-FFF2-40B4-BE49-F238E27FC236}">
+                  <a16:creationId xmlns:a16="http://schemas.microsoft.com/office/drawing/2014/main" id="{3B9B3740-4CA6-0986-E7BD-05C2AB7E46B2}"/>
+                </a:ext>
+              </a:extLst>
+            </p:cNvPr>
+            <p:cNvPicPr>
+              <a:picLocks noChangeAspect="1"/>
+            </p:cNvPicPr>
+            <p:nvPr/>
+          </p:nvPicPr>
+          <p:blipFill>
+            <a:blip r:embed="rId6"/>
+            <a:stretch>
+              <a:fillRect/>
+            </a:stretch>
+          </p:blipFill>
+          <p:spPr>
+            <a:xfrm>
+              <a:off x="5500272" y="885058"/>
+              <a:ext cx="635145" cy="577982"/>
+            </a:xfrm>
+            <a:prstGeom prst="rect">
+              <a:avLst/>
+            </a:prstGeom>
+          </p:spPr>
+        </p:pic>
+        <p:pic>
+          <p:nvPicPr>
+            <p:cNvPr id="28" name="Рисунок 27">
+              <a:extLst>
+                <a:ext uri="{FF2B5EF4-FFF2-40B4-BE49-F238E27FC236}">
+                  <a16:creationId xmlns:a16="http://schemas.microsoft.com/office/drawing/2014/main" id="{6921E4CB-3742-CE24-C7AD-396552690860}"/>
+                </a:ext>
+              </a:extLst>
+            </p:cNvPr>
+            <p:cNvPicPr>
+              <a:picLocks noChangeAspect="1"/>
+            </p:cNvPicPr>
+            <p:nvPr/>
+          </p:nvPicPr>
+          <p:blipFill>
+            <a:blip r:embed="rId7"/>
+            <a:stretch>
+              <a:fillRect/>
+            </a:stretch>
+          </p:blipFill>
+          <p:spPr>
+            <a:xfrm>
+              <a:off x="2000006" y="784978"/>
+              <a:ext cx="634921" cy="634921"/>
+            </a:xfrm>
+            <a:prstGeom prst="rect">
+              <a:avLst/>
+            </a:prstGeom>
+          </p:spPr>
+        </p:pic>
+        <p:pic>
+          <p:nvPicPr>
+            <p:cNvPr id="30" name="Рисунок 29" descr="Изображение выглядит как графическая вставка, символ, Графика, дизайн&#10;&#10;Контент, сгенерированный ИИ, может содержать ошибки.">
+              <a:extLst>
+                <a:ext uri="{FF2B5EF4-FFF2-40B4-BE49-F238E27FC236}">
+                  <a16:creationId xmlns:a16="http://schemas.microsoft.com/office/drawing/2014/main" id="{62846D96-4E05-3572-836D-9957A5CA0850}"/>
+                </a:ext>
+              </a:extLst>
+            </p:cNvPr>
+            <p:cNvPicPr>
+              <a:picLocks noChangeAspect="1"/>
+            </p:cNvPicPr>
+            <p:nvPr/>
+          </p:nvPicPr>
+          <p:blipFill>
+            <a:blip r:embed="rId8"/>
+            <a:stretch>
+              <a:fillRect/>
+            </a:stretch>
+          </p:blipFill>
+          <p:spPr>
+            <a:xfrm>
+              <a:off x="1877997" y="4703184"/>
+              <a:ext cx="634921" cy="634921"/>
+            </a:xfrm>
+            <a:prstGeom prst="rect">
+              <a:avLst/>
+            </a:prstGeom>
+          </p:spPr>
+        </p:pic>
+        <p:pic>
+          <p:nvPicPr>
+            <p:cNvPr id="32" name="Рисунок 31" descr="Изображение выглядит как символ, графическая вставка, Графика&#10;&#10;Контент, сгенерированный ИИ, может содержать ошибки.">
+              <a:extLst>
+                <a:ext uri="{FF2B5EF4-FFF2-40B4-BE49-F238E27FC236}">
+                  <a16:creationId xmlns:a16="http://schemas.microsoft.com/office/drawing/2014/main" id="{997E863D-20E7-4DA2-E4C1-7F2810D22FEA}"/>
+                </a:ext>
+              </a:extLst>
+            </p:cNvPr>
+            <p:cNvPicPr>
+              <a:picLocks noChangeAspect="1"/>
+            </p:cNvPicPr>
+            <p:nvPr/>
+          </p:nvPicPr>
+          <p:blipFill>
+            <a:blip r:embed="rId9"/>
+            <a:stretch>
+              <a:fillRect/>
+            </a:stretch>
+          </p:blipFill>
+          <p:spPr>
+            <a:xfrm>
+              <a:off x="920452" y="3274593"/>
+              <a:ext cx="635145" cy="584333"/>
+            </a:xfrm>
+            <a:prstGeom prst="rect">
+              <a:avLst/>
+            </a:prstGeom>
+          </p:spPr>
+        </p:pic>
+        <p:pic>
+          <p:nvPicPr>
+            <p:cNvPr id="34" name="Рисунок 33" descr="Изображение выглядит как символ, графическая вставка, дизайн&#10;&#10;Контент, сгенерированный ИИ, может содержать ошибки.">
+              <a:extLst>
+                <a:ext uri="{FF2B5EF4-FFF2-40B4-BE49-F238E27FC236}">
+                  <a16:creationId xmlns:a16="http://schemas.microsoft.com/office/drawing/2014/main" id="{5291AF5C-C8B1-6A45-503B-B9A4F6A82A96}"/>
+                </a:ext>
+              </a:extLst>
+            </p:cNvPr>
+            <p:cNvPicPr>
+              <a:picLocks noChangeAspect="1"/>
+            </p:cNvPicPr>
+            <p:nvPr/>
+          </p:nvPicPr>
+          <p:blipFill>
+            <a:blip r:embed="rId10"/>
+            <a:stretch>
+              <a:fillRect/>
+            </a:stretch>
+          </p:blipFill>
+          <p:spPr>
+            <a:xfrm>
+              <a:off x="6440467" y="3217756"/>
+              <a:ext cx="634921" cy="634921"/>
+            </a:xfrm>
+            <a:prstGeom prst="rect">
+              <a:avLst/>
+            </a:prstGeom>
+          </p:spPr>
+        </p:pic>
+        <p:pic>
+          <p:nvPicPr>
+            <p:cNvPr id="40" name="Рисунок 39" descr="Изображение выглядит как графическая вставка, Графика&#10;&#10;Контент, сгенерированный ИИ, может содержать ошибки.">
+              <a:extLst>
+                <a:ext uri="{FF2B5EF4-FFF2-40B4-BE49-F238E27FC236}">
+                  <a16:creationId xmlns:a16="http://schemas.microsoft.com/office/drawing/2014/main" id="{4230284C-4F48-6E52-35D4-706D5AF5C305}"/>
+                </a:ext>
+              </a:extLst>
+            </p:cNvPr>
+            <p:cNvPicPr>
+              <a:picLocks noChangeAspect="1"/>
+            </p:cNvPicPr>
+            <p:nvPr/>
+          </p:nvPicPr>
+          <p:blipFill>
+            <a:blip r:embed="rId11"/>
+            <a:stretch>
+              <a:fillRect/>
+            </a:stretch>
+          </p:blipFill>
+          <p:spPr>
+            <a:xfrm>
+              <a:off x="6472040" y="1463040"/>
+              <a:ext cx="635145" cy="635145"/>
+            </a:xfrm>
+            <a:prstGeom prst="rect">
+              <a:avLst/>
+            </a:prstGeom>
+          </p:spPr>
+        </p:pic>
+      </p:grpSp>
     </p:spTree>
   </p:cSld>
   <p:clrMapOvr>
